--- a/Документы/Хорошев/Хорошев_Диплом_Презентация.pptx
+++ b/Документы/Хорошев/Хорошев_Диплом_Презентация.pptx
@@ -266,7 +266,7 @@
           <a:p>
             <a:fld id="{796283CA-8FE5-40D0-B3F9-EEA080503F82}" type="datetimeFigureOut">
               <a:rPr lang="ru-RU" smtClean="0"/>
-              <a:t>17.04.2025</a:t>
+              <a:t>12.06.2025</a:t>
             </a:fld>
             <a:endParaRPr lang="ru-RU"/>
           </a:p>
@@ -464,7 +464,7 @@
           <a:p>
             <a:fld id="{796283CA-8FE5-40D0-B3F9-EEA080503F82}" type="datetimeFigureOut">
               <a:rPr lang="ru-RU" smtClean="0"/>
-              <a:t>17.04.2025</a:t>
+              <a:t>12.06.2025</a:t>
             </a:fld>
             <a:endParaRPr lang="ru-RU"/>
           </a:p>
@@ -672,7 +672,7 @@
           <a:p>
             <a:fld id="{796283CA-8FE5-40D0-B3F9-EEA080503F82}" type="datetimeFigureOut">
               <a:rPr lang="ru-RU" smtClean="0"/>
-              <a:t>17.04.2025</a:t>
+              <a:t>12.06.2025</a:t>
             </a:fld>
             <a:endParaRPr lang="ru-RU"/>
           </a:p>
@@ -870,7 +870,7 @@
           <a:p>
             <a:fld id="{796283CA-8FE5-40D0-B3F9-EEA080503F82}" type="datetimeFigureOut">
               <a:rPr lang="ru-RU" smtClean="0"/>
-              <a:t>17.04.2025</a:t>
+              <a:t>12.06.2025</a:t>
             </a:fld>
             <a:endParaRPr lang="ru-RU"/>
           </a:p>
@@ -1145,7 +1145,7 @@
           <a:p>
             <a:fld id="{796283CA-8FE5-40D0-B3F9-EEA080503F82}" type="datetimeFigureOut">
               <a:rPr lang="ru-RU" smtClean="0"/>
-              <a:t>17.04.2025</a:t>
+              <a:t>12.06.2025</a:t>
             </a:fld>
             <a:endParaRPr lang="ru-RU"/>
           </a:p>
@@ -1410,7 +1410,7 @@
           <a:p>
             <a:fld id="{796283CA-8FE5-40D0-B3F9-EEA080503F82}" type="datetimeFigureOut">
               <a:rPr lang="ru-RU" smtClean="0"/>
-              <a:t>17.04.2025</a:t>
+              <a:t>12.06.2025</a:t>
             </a:fld>
             <a:endParaRPr lang="ru-RU"/>
           </a:p>
@@ -1822,7 +1822,7 @@
           <a:p>
             <a:fld id="{796283CA-8FE5-40D0-B3F9-EEA080503F82}" type="datetimeFigureOut">
               <a:rPr lang="ru-RU" smtClean="0"/>
-              <a:t>17.04.2025</a:t>
+              <a:t>12.06.2025</a:t>
             </a:fld>
             <a:endParaRPr lang="ru-RU"/>
           </a:p>
@@ -1963,7 +1963,7 @@
           <a:p>
             <a:fld id="{796283CA-8FE5-40D0-B3F9-EEA080503F82}" type="datetimeFigureOut">
               <a:rPr lang="ru-RU" smtClean="0"/>
-              <a:t>17.04.2025</a:t>
+              <a:t>12.06.2025</a:t>
             </a:fld>
             <a:endParaRPr lang="ru-RU"/>
           </a:p>
@@ -2076,7 +2076,7 @@
           <a:p>
             <a:fld id="{796283CA-8FE5-40D0-B3F9-EEA080503F82}" type="datetimeFigureOut">
               <a:rPr lang="ru-RU" smtClean="0"/>
-              <a:t>17.04.2025</a:t>
+              <a:t>12.06.2025</a:t>
             </a:fld>
             <a:endParaRPr lang="ru-RU"/>
           </a:p>
@@ -2387,7 +2387,7 @@
           <a:p>
             <a:fld id="{796283CA-8FE5-40D0-B3F9-EEA080503F82}" type="datetimeFigureOut">
               <a:rPr lang="ru-RU" smtClean="0"/>
-              <a:t>17.04.2025</a:t>
+              <a:t>12.06.2025</a:t>
             </a:fld>
             <a:endParaRPr lang="ru-RU"/>
           </a:p>
@@ -2675,7 +2675,7 @@
           <a:p>
             <a:fld id="{796283CA-8FE5-40D0-B3F9-EEA080503F82}" type="datetimeFigureOut">
               <a:rPr lang="ru-RU" smtClean="0"/>
-              <a:t>17.04.2025</a:t>
+              <a:t>12.06.2025</a:t>
             </a:fld>
             <a:endParaRPr lang="ru-RU"/>
           </a:p>
@@ -2916,7 +2916,7 @@
           <a:p>
             <a:fld id="{796283CA-8FE5-40D0-B3F9-EEA080503F82}" type="datetimeFigureOut">
               <a:rPr lang="ru-RU" smtClean="0"/>
-              <a:t>17.04.2025</a:t>
+              <a:t>12.06.2025</a:t>
             </a:fld>
             <a:endParaRPr lang="ru-RU"/>
           </a:p>
@@ -3351,8 +3351,8 @@
         </p:nvSpPr>
         <p:spPr>
           <a:xfrm>
-            <a:off x="1524000" y="2095487"/>
-            <a:ext cx="9144000" cy="2387600"/>
+            <a:off x="1524000" y="1499867"/>
+            <a:ext cx="9144000" cy="2954685"/>
           </a:xfrm>
         </p:spPr>
         <p:txBody>
@@ -3367,10 +3367,66 @@
               </a:lnSpc>
             </a:pPr>
             <a:r>
-              <a:rPr lang="ru-RU" sz="4000" dirty="0">
+              <a:rPr lang="ru-RU" sz="3600" dirty="0">
                 <a:latin typeface="Bahnschrift SemiLight" panose="020B0502040204020203" pitchFamily="34" charset="0"/>
               </a:rPr>
-              <a:t>Разработка модуля «Автоматизированное рабочее место инженера по инструменту отдела подготовки производства»</a:t>
+              <a:t>Информационная система </a:t>
+            </a:r>
+            <a:r>
+              <a:rPr lang="ru-RU" sz="3600" dirty="0" err="1">
+                <a:latin typeface="Bahnschrift SemiLight" panose="020B0502040204020203" pitchFamily="34" charset="0"/>
+              </a:rPr>
+              <a:t>учeта</a:t>
+            </a:r>
+            <a:r>
+              <a:rPr lang="ru-RU" sz="3600" dirty="0">
+                <a:latin typeface="Bahnschrift SemiLight" panose="020B0502040204020203" pitchFamily="34" charset="0"/>
+              </a:rPr>
+              <a:t> и  </a:t>
+            </a:r>
+            <a:br>
+              <a:rPr lang="ru-RU" sz="3600" dirty="0">
+                <a:latin typeface="Bahnschrift SemiLight" panose="020B0502040204020203" pitchFamily="34" charset="0"/>
+              </a:rPr>
+            </a:br>
+            <a:r>
+              <a:rPr lang="ru-RU" sz="3600" dirty="0">
+                <a:latin typeface="Bahnschrift SemiLight" panose="020B0502040204020203" pitchFamily="34" charset="0"/>
+              </a:rPr>
+              <a:t>приобретения инструмента. Разработка </a:t>
+            </a:r>
+            <a:br>
+              <a:rPr lang="ru-RU" sz="3600" dirty="0">
+                <a:latin typeface="Bahnschrift SemiLight" panose="020B0502040204020203" pitchFamily="34" charset="0"/>
+              </a:rPr>
+            </a:br>
+            <a:r>
+              <a:rPr lang="ru-RU" sz="3600" dirty="0">
+                <a:latin typeface="Bahnschrift SemiLight" panose="020B0502040204020203" pitchFamily="34" charset="0"/>
+              </a:rPr>
+              <a:t>модуля «Автоматизированное рабочее </a:t>
+            </a:r>
+            <a:br>
+              <a:rPr lang="ru-RU" sz="3600" dirty="0">
+                <a:latin typeface="Bahnschrift SemiLight" panose="020B0502040204020203" pitchFamily="34" charset="0"/>
+              </a:rPr>
+            </a:br>
+            <a:r>
+              <a:rPr lang="ru-RU" sz="3600" dirty="0">
+                <a:latin typeface="Bahnschrift SemiLight" panose="020B0502040204020203" pitchFamily="34" charset="0"/>
+              </a:rPr>
+              <a:t>место инженера по инструменту отдела </a:t>
+            </a:r>
+            <a:br>
+              <a:rPr lang="ru-RU" sz="3600" dirty="0">
+                <a:latin typeface="Bahnschrift SemiLight" panose="020B0502040204020203" pitchFamily="34" charset="0"/>
+              </a:rPr>
+            </a:br>
+            <a:r>
+              <a:rPr lang="ru-RU" sz="3600" dirty="0">
+                <a:latin typeface="Bahnschrift SemiLight" panose="020B0502040204020203" pitchFamily="34" charset="0"/>
+              </a:rPr>
+              <a:t>подготовки производства»</a:t>
             </a:r>
           </a:p>
         </p:txBody>
@@ -3399,7 +3455,7 @@
         </p:spPr>
         <p:txBody>
           <a:bodyPr>
-            <a:normAutofit fontScale="92500" lnSpcReduction="20000"/>
+            <a:normAutofit/>
           </a:bodyPr>
           <a:lstStyle/>
           <a:p>
@@ -3408,15 +3464,48 @@
                 <a:spcPct val="150000"/>
               </a:lnSpc>
             </a:pPr>
-            <a:r>
-              <a:rPr lang="ru-RU" sz="2800" dirty="0">
-                <a:latin typeface="Bahnschrift Light" panose="020B0502040204020203" pitchFamily="34" charset="0"/>
-              </a:rPr>
-              <a:t>В составе информационной системы учета и приобретения инструмента для промышленного предприятия</a:t>
-            </a:r>
-          </a:p>
-        </p:txBody>
-      </p:sp>
+            <a:endParaRPr lang="ru-RU" sz="2800" dirty="0">
+              <a:latin typeface="Bahnschrift Light" panose="020B0502040204020203" pitchFamily="34" charset="0"/>
+            </a:endParaRPr>
+          </a:p>
+        </p:txBody>
+      </p:sp>
+      <p:pic>
+        <p:nvPicPr>
+          <p:cNvPr id="5" name="Рисунок 4">
+            <a:extLst>
+              <a:ext uri="{FF2B5EF4-FFF2-40B4-BE49-F238E27FC236}">
+                <a16:creationId xmlns:a16="http://schemas.microsoft.com/office/drawing/2014/main" id="{BD4702F6-FD36-4075-BADB-0A1BBD5C568C}"/>
+              </a:ext>
+            </a:extLst>
+          </p:cNvPr>
+          <p:cNvPicPr>
+            <a:picLocks noChangeAspect="1"/>
+          </p:cNvPicPr>
+          <p:nvPr/>
+        </p:nvPicPr>
+        <p:blipFill>
+          <a:blip r:embed="rId2">
+            <a:extLst>
+              <a:ext uri="{28A0092B-C50C-407E-A947-70E740481C1C}">
+                <a14:useLocalDpi xmlns:a14="http://schemas.microsoft.com/office/drawing/2010/main" val="0"/>
+              </a:ext>
+            </a:extLst>
+          </a:blip>
+          <a:stretch>
+            <a:fillRect/>
+          </a:stretch>
+        </p:blipFill>
+        <p:spPr>
+          <a:xfrm>
+            <a:off x="5058358" y="4563611"/>
+            <a:ext cx="2075284" cy="1825957"/>
+          </a:xfrm>
+          <a:prstGeom prst="rect">
+            <a:avLst/>
+          </a:prstGeom>
+        </p:spPr>
+      </p:pic>
     </p:spTree>
     <p:extLst>
       <p:ext uri="{BB962C8B-B14F-4D97-AF65-F5344CB8AC3E}">
@@ -3515,7 +3604,7 @@
               <a:rPr lang="ru-RU" dirty="0">
                 <a:latin typeface="Bahnschrift Light" panose="020B0502040204020203" pitchFamily="34" charset="0"/>
               </a:rPr>
-              <a:t>Разработка программного модуля, обеспечивающего автоматизацию:</a:t>
+              <a:t>Автоматизация следующих процессов, путём разработки программного модуля:</a:t>
             </a:r>
           </a:p>
           <a:p>
@@ -4493,7 +4582,7 @@
         </p:spPr>
         <p:txBody>
           <a:bodyPr vert="horz" lIns="91440" tIns="45720" rIns="91440" bIns="45720" rtlCol="0">
-            <a:normAutofit lnSpcReduction="10000"/>
+            <a:normAutofit/>
           </a:bodyPr>
           <a:lstStyle>
             <a:lvl1pPr marL="228600" indent="-228600" algn="l" defTabSz="914400" rtl="0" eaLnBrk="1" latinLnBrk="0" hangingPunct="1">
@@ -4701,21 +4790,6 @@
                 <a:latin typeface="Bahnschrift Light" panose="020B0502040204020203" pitchFamily="34" charset="0"/>
               </a:rPr>
               <a:t>Планирование поставок</a:t>
-            </a:r>
-          </a:p>
-          <a:p>
-            <a:pPr algn="just">
-              <a:lnSpc>
-                <a:spcPct val="110000"/>
-              </a:lnSpc>
-              <a:buFont typeface="Calibri" panose="020F0502020204030204" pitchFamily="34" charset="0"/>
-              <a:buChar char="–"/>
-            </a:pPr>
-            <a:r>
-              <a:rPr lang="ru-RU" sz="2400" dirty="0">
-                <a:latin typeface="Bahnschrift Light" panose="020B0502040204020203" pitchFamily="34" charset="0"/>
-              </a:rPr>
-              <a:t>Взаимодействие с поставщиками</a:t>
             </a:r>
           </a:p>
         </p:txBody>
@@ -6249,21 +6323,6 @@
                 <a:latin typeface="Bahnschrift Light" panose="020B0502040204020203" pitchFamily="34" charset="0"/>
               </a:rPr>
               <a:t>Коммерческие документы:</a:t>
-            </a:r>
-          </a:p>
-          <a:p>
-            <a:pPr algn="just">
-              <a:lnSpc>
-                <a:spcPct val="120000"/>
-              </a:lnSpc>
-              <a:buFont typeface="Calibri" panose="020F0502020204030204" pitchFamily="34" charset="0"/>
-              <a:buChar char="–"/>
-            </a:pPr>
-            <a:r>
-              <a:rPr lang="ru-RU" sz="2400" dirty="0">
-                <a:latin typeface="Bahnschrift Light" panose="020B0502040204020203" pitchFamily="34" charset="0"/>
-              </a:rPr>
-              <a:t>Договоры поставки</a:t>
             </a:r>
           </a:p>
           <a:p>

--- a/Документы/Хорошев/Хорошев_Диплом_Презентация.pptx
+++ b/Документы/Хорошев/Хорошев_Диплом_Презентация.pptx
@@ -7,12 +7,13 @@
   <p:sldIdLst>
     <p:sldId id="256" r:id="rId2"/>
     <p:sldId id="257" r:id="rId3"/>
-    <p:sldId id="258" r:id="rId4"/>
-    <p:sldId id="259" r:id="rId5"/>
-    <p:sldId id="260" r:id="rId6"/>
-    <p:sldId id="261" r:id="rId7"/>
-    <p:sldId id="262" r:id="rId8"/>
-    <p:sldId id="264" r:id="rId9"/>
+    <p:sldId id="265" r:id="rId4"/>
+    <p:sldId id="258" r:id="rId5"/>
+    <p:sldId id="259" r:id="rId6"/>
+    <p:sldId id="260" r:id="rId7"/>
+    <p:sldId id="261" r:id="rId8"/>
+    <p:sldId id="262" r:id="rId9"/>
+    <p:sldId id="264" r:id="rId10"/>
   </p:sldIdLst>
   <p:sldSz cx="12192000" cy="6858000"/>
   <p:notesSz cx="6858000" cy="9144000"/>
@@ -266,7 +267,7 @@
           <a:p>
             <a:fld id="{796283CA-8FE5-40D0-B3F9-EEA080503F82}" type="datetimeFigureOut">
               <a:rPr lang="ru-RU" smtClean="0"/>
-              <a:t>12.06.2025</a:t>
+              <a:t>13.06.2025</a:t>
             </a:fld>
             <a:endParaRPr lang="ru-RU"/>
           </a:p>
@@ -464,7 +465,7 @@
           <a:p>
             <a:fld id="{796283CA-8FE5-40D0-B3F9-EEA080503F82}" type="datetimeFigureOut">
               <a:rPr lang="ru-RU" smtClean="0"/>
-              <a:t>12.06.2025</a:t>
+              <a:t>13.06.2025</a:t>
             </a:fld>
             <a:endParaRPr lang="ru-RU"/>
           </a:p>
@@ -672,7 +673,7 @@
           <a:p>
             <a:fld id="{796283CA-8FE5-40D0-B3F9-EEA080503F82}" type="datetimeFigureOut">
               <a:rPr lang="ru-RU" smtClean="0"/>
-              <a:t>12.06.2025</a:t>
+              <a:t>13.06.2025</a:t>
             </a:fld>
             <a:endParaRPr lang="ru-RU"/>
           </a:p>
@@ -870,7 +871,7 @@
           <a:p>
             <a:fld id="{796283CA-8FE5-40D0-B3F9-EEA080503F82}" type="datetimeFigureOut">
               <a:rPr lang="ru-RU" smtClean="0"/>
-              <a:t>12.06.2025</a:t>
+              <a:t>13.06.2025</a:t>
             </a:fld>
             <a:endParaRPr lang="ru-RU"/>
           </a:p>
@@ -1145,7 +1146,7 @@
           <a:p>
             <a:fld id="{796283CA-8FE5-40D0-B3F9-EEA080503F82}" type="datetimeFigureOut">
               <a:rPr lang="ru-RU" smtClean="0"/>
-              <a:t>12.06.2025</a:t>
+              <a:t>13.06.2025</a:t>
             </a:fld>
             <a:endParaRPr lang="ru-RU"/>
           </a:p>
@@ -1410,7 +1411,7 @@
           <a:p>
             <a:fld id="{796283CA-8FE5-40D0-B3F9-EEA080503F82}" type="datetimeFigureOut">
               <a:rPr lang="ru-RU" smtClean="0"/>
-              <a:t>12.06.2025</a:t>
+              <a:t>13.06.2025</a:t>
             </a:fld>
             <a:endParaRPr lang="ru-RU"/>
           </a:p>
@@ -1822,7 +1823,7 @@
           <a:p>
             <a:fld id="{796283CA-8FE5-40D0-B3F9-EEA080503F82}" type="datetimeFigureOut">
               <a:rPr lang="ru-RU" smtClean="0"/>
-              <a:t>12.06.2025</a:t>
+              <a:t>13.06.2025</a:t>
             </a:fld>
             <a:endParaRPr lang="ru-RU"/>
           </a:p>
@@ -1963,7 +1964,7 @@
           <a:p>
             <a:fld id="{796283CA-8FE5-40D0-B3F9-EEA080503F82}" type="datetimeFigureOut">
               <a:rPr lang="ru-RU" smtClean="0"/>
-              <a:t>12.06.2025</a:t>
+              <a:t>13.06.2025</a:t>
             </a:fld>
             <a:endParaRPr lang="ru-RU"/>
           </a:p>
@@ -2076,7 +2077,7 @@
           <a:p>
             <a:fld id="{796283CA-8FE5-40D0-B3F9-EEA080503F82}" type="datetimeFigureOut">
               <a:rPr lang="ru-RU" smtClean="0"/>
-              <a:t>12.06.2025</a:t>
+              <a:t>13.06.2025</a:t>
             </a:fld>
             <a:endParaRPr lang="ru-RU"/>
           </a:p>
@@ -2387,7 +2388,7 @@
           <a:p>
             <a:fld id="{796283CA-8FE5-40D0-B3F9-EEA080503F82}" type="datetimeFigureOut">
               <a:rPr lang="ru-RU" smtClean="0"/>
-              <a:t>12.06.2025</a:t>
+              <a:t>13.06.2025</a:t>
             </a:fld>
             <a:endParaRPr lang="ru-RU"/>
           </a:p>
@@ -2675,7 +2676,7 @@
           <a:p>
             <a:fld id="{796283CA-8FE5-40D0-B3F9-EEA080503F82}" type="datetimeFigureOut">
               <a:rPr lang="ru-RU" smtClean="0"/>
-              <a:t>12.06.2025</a:t>
+              <a:t>13.06.2025</a:t>
             </a:fld>
             <a:endParaRPr lang="ru-RU"/>
           </a:p>
@@ -2916,7 +2917,7 @@
           <a:p>
             <a:fld id="{796283CA-8FE5-40D0-B3F9-EEA080503F82}" type="datetimeFigureOut">
               <a:rPr lang="ru-RU" smtClean="0"/>
-              <a:t>12.06.2025</a:t>
+              <a:t>13.06.2025</a:t>
             </a:fld>
             <a:endParaRPr lang="ru-RU"/>
           </a:p>
@@ -3351,7 +3352,7 @@
         </p:nvSpPr>
         <p:spPr>
           <a:xfrm>
-            <a:off x="1524000" y="1499867"/>
+            <a:off x="1524000" y="2403447"/>
             <a:ext cx="9144000" cy="2954685"/>
           </a:xfrm>
         </p:spPr>
@@ -3367,63 +3368,63 @@
               </a:lnSpc>
             </a:pPr>
             <a:r>
-              <a:rPr lang="ru-RU" sz="3600" dirty="0">
+              <a:rPr lang="ru-RU" sz="3200" dirty="0">
                 <a:latin typeface="Bahnschrift SemiLight" panose="020B0502040204020203" pitchFamily="34" charset="0"/>
               </a:rPr>
               <a:t>Информационная система </a:t>
             </a:r>
             <a:r>
-              <a:rPr lang="ru-RU" sz="3600" dirty="0" err="1">
+              <a:rPr lang="ru-RU" sz="3200" dirty="0" err="1">
                 <a:latin typeface="Bahnschrift SemiLight" panose="020B0502040204020203" pitchFamily="34" charset="0"/>
               </a:rPr>
               <a:t>учeта</a:t>
             </a:r>
             <a:r>
-              <a:rPr lang="ru-RU" sz="3600" dirty="0">
+              <a:rPr lang="ru-RU" sz="3200" dirty="0">
                 <a:latin typeface="Bahnschrift SemiLight" panose="020B0502040204020203" pitchFamily="34" charset="0"/>
               </a:rPr>
               <a:t> и  </a:t>
             </a:r>
             <a:br>
-              <a:rPr lang="ru-RU" sz="3600" dirty="0">
+              <a:rPr lang="ru-RU" sz="3200" dirty="0">
                 <a:latin typeface="Bahnschrift SemiLight" panose="020B0502040204020203" pitchFamily="34" charset="0"/>
               </a:rPr>
             </a:br>
             <a:r>
-              <a:rPr lang="ru-RU" sz="3600" dirty="0">
+              <a:rPr lang="ru-RU" sz="3200" dirty="0">
                 <a:latin typeface="Bahnschrift SemiLight" panose="020B0502040204020203" pitchFamily="34" charset="0"/>
               </a:rPr>
               <a:t>приобретения инструмента. Разработка </a:t>
             </a:r>
             <a:br>
-              <a:rPr lang="ru-RU" sz="3600" dirty="0">
+              <a:rPr lang="ru-RU" sz="3200" dirty="0">
                 <a:latin typeface="Bahnschrift SemiLight" panose="020B0502040204020203" pitchFamily="34" charset="0"/>
               </a:rPr>
             </a:br>
             <a:r>
-              <a:rPr lang="ru-RU" sz="3600" dirty="0">
+              <a:rPr lang="ru-RU" sz="3200" dirty="0">
                 <a:latin typeface="Bahnschrift SemiLight" panose="020B0502040204020203" pitchFamily="34" charset="0"/>
               </a:rPr>
               <a:t>модуля «Автоматизированное рабочее </a:t>
             </a:r>
             <a:br>
-              <a:rPr lang="ru-RU" sz="3600" dirty="0">
+              <a:rPr lang="ru-RU" sz="3200" dirty="0">
                 <a:latin typeface="Bahnschrift SemiLight" panose="020B0502040204020203" pitchFamily="34" charset="0"/>
               </a:rPr>
             </a:br>
             <a:r>
-              <a:rPr lang="ru-RU" sz="3600" dirty="0">
+              <a:rPr lang="ru-RU" sz="3200" dirty="0">
                 <a:latin typeface="Bahnschrift SemiLight" panose="020B0502040204020203" pitchFamily="34" charset="0"/>
               </a:rPr>
               <a:t>место инженера по инструменту отдела </a:t>
             </a:r>
             <a:br>
-              <a:rPr lang="ru-RU" sz="3600" dirty="0">
+              <a:rPr lang="ru-RU" sz="3200" dirty="0">
                 <a:latin typeface="Bahnschrift SemiLight" panose="020B0502040204020203" pitchFamily="34" charset="0"/>
               </a:rPr>
             </a:br>
             <a:r>
-              <a:rPr lang="ru-RU" sz="3600" dirty="0">
+              <a:rPr lang="ru-RU" sz="3200" dirty="0">
                 <a:latin typeface="Bahnschrift SemiLight" panose="020B0502040204020203" pitchFamily="34" charset="0"/>
               </a:rPr>
               <a:t>подготовки производства»</a:t>
@@ -3449,8 +3450,8 @@
         </p:nvSpPr>
         <p:spPr>
           <a:xfrm>
-            <a:off x="1524000" y="4575162"/>
-            <a:ext cx="9144000" cy="1655762"/>
+            <a:off x="1524000" y="5358132"/>
+            <a:ext cx="10413534" cy="1227225"/>
           </a:xfrm>
         </p:spPr>
         <p:txBody>
@@ -3459,53 +3460,90 @@
           </a:bodyPr>
           <a:lstStyle/>
           <a:p>
-            <a:pPr>
+            <a:pPr algn="r">
               <a:lnSpc>
                 <a:spcPct val="150000"/>
               </a:lnSpc>
             </a:pPr>
-            <a:endParaRPr lang="ru-RU" sz="2800" dirty="0">
-              <a:latin typeface="Bahnschrift Light" panose="020B0502040204020203" pitchFamily="34" charset="0"/>
-            </a:endParaRPr>
-          </a:p>
-        </p:txBody>
-      </p:sp>
-      <p:pic>
-        <p:nvPicPr>
-          <p:cNvPr id="5" name="Рисунок 4">
-            <a:extLst>
-              <a:ext uri="{FF2B5EF4-FFF2-40B4-BE49-F238E27FC236}">
-                <a16:creationId xmlns:a16="http://schemas.microsoft.com/office/drawing/2014/main" id="{BD4702F6-FD36-4075-BADB-0A1BBD5C568C}"/>
-              </a:ext>
-            </a:extLst>
-          </p:cNvPr>
-          <p:cNvPicPr>
-            <a:picLocks noChangeAspect="1"/>
-          </p:cNvPicPr>
+            <a:r>
+              <a:rPr lang="ru-RU" sz="2000" dirty="0">
+                <a:latin typeface="Bahnschrift Light" panose="020B0502040204020203" pitchFamily="34" charset="0"/>
+              </a:rPr>
+              <a:t>Выполнил Д.Р. Хорошев</a:t>
+            </a:r>
+          </a:p>
+          <a:p>
+            <a:pPr algn="r">
+              <a:lnSpc>
+                <a:spcPct val="150000"/>
+              </a:lnSpc>
+            </a:pPr>
+            <a:r>
+              <a:rPr lang="ru-RU" sz="2000" dirty="0">
+                <a:latin typeface="Bahnschrift Light" panose="020B0502040204020203" pitchFamily="34" charset="0"/>
+              </a:rPr>
+              <a:t>Руководитель дипломного проекта Э. Г. Сандова</a:t>
+            </a:r>
+          </a:p>
+        </p:txBody>
+      </p:sp>
+      <p:sp>
+        <p:nvSpPr>
+          <p:cNvPr id="8" name="TextBox 7">
+            <a:extLst>
+              <a:ext uri="{FF2B5EF4-FFF2-40B4-BE49-F238E27FC236}">
+                <a16:creationId xmlns:a16="http://schemas.microsoft.com/office/drawing/2014/main" id="{96B80D3D-C89A-4EB9-9CCC-9B05B9D21080}"/>
+              </a:ext>
+            </a:extLst>
+          </p:cNvPr>
+          <p:cNvSpPr txBox="1"/>
           <p:nvPr/>
-        </p:nvPicPr>
-        <p:blipFill>
-          <a:blip r:embed="rId2">
-            <a:extLst>
-              <a:ext uri="{28A0092B-C50C-407E-A947-70E740481C1C}">
-                <a14:useLocalDpi xmlns:a14="http://schemas.microsoft.com/office/drawing/2010/main" val="0"/>
-              </a:ext>
-            </a:extLst>
-          </a:blip>
-          <a:stretch>
-            <a:fillRect/>
-          </a:stretch>
-        </p:blipFill>
+        </p:nvSpPr>
         <p:spPr>
           <a:xfrm>
-            <a:off x="5058358" y="4563611"/>
-            <a:ext cx="2075284" cy="1825957"/>
+            <a:off x="3298971" y="178928"/>
+            <a:ext cx="6094602" cy="1200329"/>
           </a:xfrm>
           <a:prstGeom prst="rect">
             <a:avLst/>
           </a:prstGeom>
+          <a:noFill/>
         </p:spPr>
-      </p:pic>
+        <p:txBody>
+          <a:bodyPr wrap="square">
+            <a:spAutoFit/>
+          </a:bodyPr>
+          <a:lstStyle/>
+          <a:p>
+            <a:pPr algn="ctr"/>
+            <a:r>
+              <a:rPr lang="ru-RU" dirty="0"/>
+              <a:t>Кировское областное государственное профессиональное</a:t>
+            </a:r>
+          </a:p>
+          <a:p>
+            <a:pPr algn="ctr"/>
+            <a:r>
+              <a:rPr lang="ru-RU" dirty="0"/>
+              <a:t>образовательное бюджетное учреждение</a:t>
+            </a:r>
+          </a:p>
+          <a:p>
+            <a:pPr algn="ctr"/>
+            <a:r>
+              <a:rPr lang="ru-RU" dirty="0"/>
+              <a:t> «Кировский авиационный техникум»</a:t>
+            </a:r>
+          </a:p>
+          <a:p>
+            <a:pPr algn="ctr"/>
+            <a:r>
+              <a:rPr lang="ru-RU" dirty="0"/>
+              <a:t>(КОГПОБУ «Кировский авиационный техникум»)</a:t>
+            </a:r>
+          </a:p>
+        </p:txBody>
+      </p:sp>
     </p:spTree>
     <p:extLst>
       <p:ext uri="{BB962C8B-B14F-4D97-AF65-F5344CB8AC3E}">
@@ -3604,7 +3642,7 @@
               <a:rPr lang="ru-RU" dirty="0">
                 <a:latin typeface="Bahnschrift Light" panose="020B0502040204020203" pitchFamily="34" charset="0"/>
               </a:rPr>
-              <a:t>Автоматизация следующих процессов, путём разработки программного модуля:</a:t>
+              <a:t>Разработки программного модуля для автоматизации следующих процессов:</a:t>
             </a:r>
           </a:p>
           <a:p>
@@ -3704,6 +3742,134 @@
           <p:cNvPr id="2" name="Заголовок 1">
             <a:extLst>
               <a:ext uri="{FF2B5EF4-FFF2-40B4-BE49-F238E27FC236}">
+                <a16:creationId xmlns:a16="http://schemas.microsoft.com/office/drawing/2014/main" id="{2352F35B-B5D1-4D60-828D-1D04CDE62571}"/>
+              </a:ext>
+            </a:extLst>
+          </p:cNvPr>
+          <p:cNvSpPr>
+            <a:spLocks noGrp="1"/>
+          </p:cNvSpPr>
+          <p:nvPr>
+            <p:ph type="title"/>
+          </p:nvPr>
+        </p:nvSpPr>
+        <p:spPr/>
+        <p:txBody>
+          <a:bodyPr/>
+          <a:lstStyle/>
+          <a:p>
+            <a:r>
+              <a:rPr lang="ru-RU" dirty="0">
+                <a:latin typeface="Bahnschrift SemiLight" panose="020B0502040204020203" pitchFamily="34" charset="0"/>
+              </a:rPr>
+              <a:t>Объект и предмет автоматизации</a:t>
+            </a:r>
+          </a:p>
+        </p:txBody>
+      </p:sp>
+      <p:sp>
+        <p:nvSpPr>
+          <p:cNvPr id="3" name="Объект 2">
+            <a:extLst>
+              <a:ext uri="{FF2B5EF4-FFF2-40B4-BE49-F238E27FC236}">
+                <a16:creationId xmlns:a16="http://schemas.microsoft.com/office/drawing/2014/main" id="{73651BEB-365F-4E8A-8870-FBC61BCDB542}"/>
+              </a:ext>
+            </a:extLst>
+          </p:cNvPr>
+          <p:cNvSpPr>
+            <a:spLocks noGrp="1"/>
+          </p:cNvSpPr>
+          <p:nvPr>
+            <p:ph idx="1"/>
+          </p:nvPr>
+        </p:nvSpPr>
+        <p:spPr>
+          <a:xfrm>
+            <a:off x="838200" y="1825625"/>
+            <a:ext cx="9111143" cy="4351338"/>
+          </a:xfrm>
+        </p:spPr>
+        <p:txBody>
+          <a:bodyPr>
+            <a:normAutofit/>
+          </a:bodyPr>
+          <a:lstStyle/>
+          <a:p>
+            <a:pPr marL="0" indent="0" algn="just">
+              <a:lnSpc>
+                <a:spcPct val="150000"/>
+              </a:lnSpc>
+              <a:buNone/>
+            </a:pPr>
+            <a:r>
+              <a:rPr lang="ru-RU" dirty="0">
+                <a:latin typeface="Bahnschrift Light" panose="020B0502040204020203" pitchFamily="34" charset="0"/>
+              </a:rPr>
+              <a:t>Объектом автоматизации является процесс учета и приобретения инструмента.</a:t>
+            </a:r>
+          </a:p>
+          <a:p>
+            <a:pPr marL="0" indent="0" algn="just">
+              <a:lnSpc>
+                <a:spcPct val="150000"/>
+              </a:lnSpc>
+              <a:buNone/>
+            </a:pPr>
+            <a:r>
+              <a:rPr lang="ru-RU" dirty="0">
+                <a:latin typeface="Bahnschrift Light" panose="020B0502040204020203" pitchFamily="34" charset="0"/>
+              </a:rPr>
+              <a:t>Предметом автоматизации является повышение эффективности управления инструментальным хозяйством предприятия, путем разработки программного модуля.</a:t>
+            </a:r>
+          </a:p>
+          <a:p>
+            <a:pPr marL="0" indent="0" algn="just">
+              <a:lnSpc>
+                <a:spcPct val="150000"/>
+              </a:lnSpc>
+              <a:buNone/>
+            </a:pPr>
+            <a:endParaRPr lang="ru-RU" dirty="0">
+              <a:latin typeface="Bahnschrift Light" panose="020B0502040204020203" pitchFamily="34" charset="0"/>
+            </a:endParaRPr>
+          </a:p>
+        </p:txBody>
+      </p:sp>
+    </p:spTree>
+    <p:extLst>
+      <p:ext uri="{BB962C8B-B14F-4D97-AF65-F5344CB8AC3E}">
+        <p14:creationId xmlns:p14="http://schemas.microsoft.com/office/powerpoint/2010/main" val="3462787116"/>
+      </p:ext>
+    </p:extLst>
+  </p:cSld>
+  <p:clrMapOvr>
+    <a:masterClrMapping/>
+  </p:clrMapOvr>
+</p:sld>
+</file>
+
+<file path=ppt/slides/slide4.xml><?xml version="1.0" encoding="utf-8"?>
+<p:sld xmlns:a="http://schemas.openxmlformats.org/drawingml/2006/main" xmlns:r="http://schemas.openxmlformats.org/officeDocument/2006/relationships" xmlns:p="http://schemas.openxmlformats.org/presentationml/2006/main">
+  <p:cSld>
+    <p:spTree>
+      <p:nvGrpSpPr>
+        <p:cNvPr id="1" name=""/>
+        <p:cNvGrpSpPr/>
+        <p:nvPr/>
+      </p:nvGrpSpPr>
+      <p:grpSpPr>
+        <a:xfrm>
+          <a:off x="0" y="0"/>
+          <a:ext cx="0" cy="0"/>
+          <a:chOff x="0" y="0"/>
+          <a:chExt cx="0" cy="0"/>
+        </a:xfrm>
+      </p:grpSpPr>
+      <p:sp>
+        <p:nvSpPr>
+          <p:cNvPr id="2" name="Заголовок 1">
+            <a:extLst>
+              <a:ext uri="{FF2B5EF4-FFF2-40B4-BE49-F238E27FC236}">
                 <a16:creationId xmlns:a16="http://schemas.microsoft.com/office/drawing/2014/main" id="{6E806C15-3133-4A2F-B000-513EA5BE0346}"/>
               </a:ext>
             </a:extLst>
@@ -3834,7 +4000,7 @@
 </p:sld>
 </file>
 
-<file path=ppt/slides/slide4.xml><?xml version="1.0" encoding="utf-8"?>
+<file path=ppt/slides/slide5.xml><?xml version="1.0" encoding="utf-8"?>
 <p:sld xmlns:a="http://schemas.openxmlformats.org/drawingml/2006/main" xmlns:r="http://schemas.openxmlformats.org/officeDocument/2006/relationships" xmlns:p="http://schemas.openxmlformats.org/presentationml/2006/main">
   <p:cSld>
     <p:spTree>
@@ -5157,7 +5323,7 @@
 </p:sld>
 </file>
 
-<file path=ppt/slides/slide5.xml><?xml version="1.0" encoding="utf-8"?>
+<file path=ppt/slides/slide6.xml><?xml version="1.0" encoding="utf-8"?>
 <p:sld xmlns:a="http://schemas.openxmlformats.org/drawingml/2006/main" xmlns:r="http://schemas.openxmlformats.org/officeDocument/2006/relationships" xmlns:p="http://schemas.openxmlformats.org/presentationml/2006/main">
   <p:cSld>
     <p:spTree>
@@ -6468,180 +6634,6 @@
 </p:sld>
 </file>
 
-<file path=ppt/slides/slide6.xml><?xml version="1.0" encoding="utf-8"?>
-<p:sld xmlns:a="http://schemas.openxmlformats.org/drawingml/2006/main" xmlns:r="http://schemas.openxmlformats.org/officeDocument/2006/relationships" xmlns:p="http://schemas.openxmlformats.org/presentationml/2006/main">
-  <p:cSld>
-    <p:spTree>
-      <p:nvGrpSpPr>
-        <p:cNvPr id="1" name=""/>
-        <p:cNvGrpSpPr/>
-        <p:nvPr/>
-      </p:nvGrpSpPr>
-      <p:grpSpPr>
-        <a:xfrm>
-          <a:off x="0" y="0"/>
-          <a:ext cx="0" cy="0"/>
-          <a:chOff x="0" y="0"/>
-          <a:chExt cx="0" cy="0"/>
-        </a:xfrm>
-      </p:grpSpPr>
-      <p:sp>
-        <p:nvSpPr>
-          <p:cNvPr id="2" name="Заголовок 1">
-            <a:extLst>
-              <a:ext uri="{FF2B5EF4-FFF2-40B4-BE49-F238E27FC236}">
-                <a16:creationId xmlns:a16="http://schemas.microsoft.com/office/drawing/2014/main" id="{4BF58CD9-FED5-4010-9D66-C3AC579F2514}"/>
-              </a:ext>
-            </a:extLst>
-          </p:cNvPr>
-          <p:cNvSpPr>
-            <a:spLocks noGrp="1"/>
-          </p:cNvSpPr>
-          <p:nvPr>
-            <p:ph type="title"/>
-          </p:nvPr>
-        </p:nvSpPr>
-        <p:spPr/>
-        <p:txBody>
-          <a:bodyPr/>
-          <a:lstStyle/>
-          <a:p>
-            <a:r>
-              <a:rPr lang="ru-RU" dirty="0">
-                <a:latin typeface="Bahnschrift SemiLight" panose="020B0502040204020203" pitchFamily="34" charset="0"/>
-              </a:rPr>
-              <a:t>Функционал разрабатываемого модуля</a:t>
-            </a:r>
-          </a:p>
-        </p:txBody>
-      </p:sp>
-      <p:sp>
-        <p:nvSpPr>
-          <p:cNvPr id="5" name="Объект 4">
-            <a:extLst>
-              <a:ext uri="{FF2B5EF4-FFF2-40B4-BE49-F238E27FC236}">
-                <a16:creationId xmlns:a16="http://schemas.microsoft.com/office/drawing/2014/main" id="{076702BC-704F-4ACC-837F-6EE9E2FA04E8}"/>
-              </a:ext>
-            </a:extLst>
-          </p:cNvPr>
-          <p:cNvSpPr>
-            <a:spLocks noGrp="1"/>
-          </p:cNvSpPr>
-          <p:nvPr>
-            <p:ph idx="1"/>
-          </p:nvPr>
-        </p:nvSpPr>
-        <p:spPr/>
-        <p:txBody>
-          <a:bodyPr>
-            <a:normAutofit lnSpcReduction="10000"/>
-          </a:bodyPr>
-          <a:lstStyle/>
-          <a:p>
-            <a:pPr algn="just">
-              <a:lnSpc>
-                <a:spcPct val="150000"/>
-              </a:lnSpc>
-              <a:buFont typeface="Bahnschrift Light" panose="020B0502040204020203" pitchFamily="34" charset="0"/>
-              <a:buChar char="–"/>
-            </a:pPr>
-            <a:r>
-              <a:rPr lang="ru-RU" dirty="0">
-                <a:latin typeface="Bahnschrift Light" panose="020B0502040204020203" pitchFamily="34" charset="0"/>
-              </a:rPr>
-              <a:t>Управление справочником номенклатуры.</a:t>
-            </a:r>
-          </a:p>
-          <a:p>
-            <a:pPr algn="just">
-              <a:lnSpc>
-                <a:spcPct val="150000"/>
-              </a:lnSpc>
-              <a:buFont typeface="Bahnschrift Light" panose="020B0502040204020203" pitchFamily="34" charset="0"/>
-              <a:buChar char="–"/>
-            </a:pPr>
-            <a:r>
-              <a:rPr lang="ru-RU" dirty="0">
-                <a:latin typeface="Bahnschrift Light" panose="020B0502040204020203" pitchFamily="34" charset="0"/>
-              </a:rPr>
-              <a:t>Управление справочником аналогов.</a:t>
-            </a:r>
-          </a:p>
-          <a:p>
-            <a:pPr algn="just">
-              <a:lnSpc>
-                <a:spcPct val="150000"/>
-              </a:lnSpc>
-              <a:buFont typeface="Bahnschrift Light" panose="020B0502040204020203" pitchFamily="34" charset="0"/>
-              <a:buChar char="–"/>
-            </a:pPr>
-            <a:r>
-              <a:rPr lang="ru-RU" dirty="0">
-                <a:latin typeface="Bahnschrift Light" panose="020B0502040204020203" pitchFamily="34" charset="0"/>
-              </a:rPr>
-              <a:t>Управление справочником поставщиков.</a:t>
-            </a:r>
-          </a:p>
-          <a:p>
-            <a:pPr algn="just">
-              <a:lnSpc>
-                <a:spcPct val="150000"/>
-              </a:lnSpc>
-              <a:buFont typeface="Bahnschrift Light" panose="020B0502040204020203" pitchFamily="34" charset="0"/>
-              <a:buChar char="–"/>
-            </a:pPr>
-            <a:r>
-              <a:rPr lang="ru-RU" dirty="0">
-                <a:latin typeface="Bahnschrift Light" panose="020B0502040204020203" pitchFamily="34" charset="0"/>
-              </a:rPr>
-              <a:t>Формирование заявок на приобретение.</a:t>
-            </a:r>
-          </a:p>
-          <a:p>
-            <a:pPr algn="just">
-              <a:lnSpc>
-                <a:spcPct val="150000"/>
-              </a:lnSpc>
-              <a:buFont typeface="Bahnschrift Light" panose="020B0502040204020203" pitchFamily="34" charset="0"/>
-              <a:buChar char="–"/>
-            </a:pPr>
-            <a:r>
-              <a:rPr lang="ru-RU" dirty="0">
-                <a:latin typeface="Bahnschrift Light" panose="020B0502040204020203" pitchFamily="34" charset="0"/>
-              </a:rPr>
-              <a:t>Учет поступлений инструмента.</a:t>
-            </a:r>
-          </a:p>
-          <a:p>
-            <a:pPr algn="just">
-              <a:lnSpc>
-                <a:spcPct val="150000"/>
-              </a:lnSpc>
-              <a:buFont typeface="Bahnschrift Light" panose="020B0502040204020203" pitchFamily="34" charset="0"/>
-              <a:buChar char="–"/>
-            </a:pPr>
-            <a:r>
-              <a:rPr lang="ru-RU" dirty="0">
-                <a:latin typeface="Bahnschrift Light" panose="020B0502040204020203" pitchFamily="34" charset="0"/>
-              </a:rPr>
-              <a:t>Отчетность</a:t>
-            </a:r>
-          </a:p>
-        </p:txBody>
-      </p:sp>
-    </p:spTree>
-    <p:extLst>
-      <p:ext uri="{BB962C8B-B14F-4D97-AF65-F5344CB8AC3E}">
-        <p14:creationId xmlns:p14="http://schemas.microsoft.com/office/powerpoint/2010/main" val="1982902144"/>
-      </p:ext>
-    </p:extLst>
-  </p:cSld>
-  <p:clrMapOvr>
-    <a:masterClrMapping/>
-  </p:clrMapOvr>
-</p:sld>
-</file>
-
 <file path=ppt/slides/slide7.xml><?xml version="1.0" encoding="utf-8"?>
 <p:sld xmlns:a="http://schemas.openxmlformats.org/drawingml/2006/main" xmlns:r="http://schemas.openxmlformats.org/officeDocument/2006/relationships" xmlns:p="http://schemas.openxmlformats.org/presentationml/2006/main">
   <p:cSld>
@@ -6664,7 +6656,7 @@
           <p:cNvPr id="2" name="Заголовок 1">
             <a:extLst>
               <a:ext uri="{FF2B5EF4-FFF2-40B4-BE49-F238E27FC236}">
-                <a16:creationId xmlns:a16="http://schemas.microsoft.com/office/drawing/2014/main" id="{CB3F56FE-8CD5-4769-9678-6E2C241DE84C}"/>
+                <a16:creationId xmlns:a16="http://schemas.microsoft.com/office/drawing/2014/main" id="{4BF58CD9-FED5-4010-9D66-C3AC579F2514}"/>
               </a:ext>
             </a:extLst>
           </p:cNvPr>
@@ -6684,17 +6676,17 @@
               <a:rPr lang="ru-RU" dirty="0">
                 <a:latin typeface="Bahnschrift SemiLight" panose="020B0502040204020203" pitchFamily="34" charset="0"/>
               </a:rPr>
-              <a:t>Выходные данные</a:t>
-            </a:r>
-          </a:p>
-        </p:txBody>
-      </p:sp>
-      <p:sp>
-        <p:nvSpPr>
-          <p:cNvPr id="3" name="Объект 2">
-            <a:extLst>
-              <a:ext uri="{FF2B5EF4-FFF2-40B4-BE49-F238E27FC236}">
-                <a16:creationId xmlns:a16="http://schemas.microsoft.com/office/drawing/2014/main" id="{2B180A81-3366-4302-A6F5-588A7DA73E0B}"/>
+              <a:t>Функционал разрабатываемого модуля</a:t>
+            </a:r>
+          </a:p>
+        </p:txBody>
+      </p:sp>
+      <p:sp>
+        <p:nvSpPr>
+          <p:cNvPr id="5" name="Объект 4">
+            <a:extLst>
+              <a:ext uri="{FF2B5EF4-FFF2-40B4-BE49-F238E27FC236}">
+                <a16:creationId xmlns:a16="http://schemas.microsoft.com/office/drawing/2014/main" id="{076702BC-704F-4ACC-837F-6EE9E2FA04E8}"/>
               </a:ext>
             </a:extLst>
           </p:cNvPr>
@@ -6707,7 +6699,9 @@
         </p:nvSpPr>
         <p:spPr/>
         <p:txBody>
-          <a:bodyPr/>
+          <a:bodyPr>
+            <a:normAutofit lnSpcReduction="10000"/>
+          </a:bodyPr>
           <a:lstStyle/>
           <a:p>
             <a:pPr algn="just">
@@ -6721,7 +6715,7 @@
               <a:rPr lang="ru-RU" dirty="0">
                 <a:latin typeface="Bahnschrift Light" panose="020B0502040204020203" pitchFamily="34" charset="0"/>
               </a:rPr>
-              <a:t>Актуальные справочники</a:t>
+              <a:t>Формирование заявок на приобретение.</a:t>
             </a:r>
           </a:p>
           <a:p>
@@ -6733,10 +6727,31 @@
               <a:buChar char="–"/>
             </a:pPr>
             <a:r>
+              <a:rPr lang="ru-RU">
+                <a:latin typeface="Bahnschrift Light" panose="020B0502040204020203" pitchFamily="34" charset="0"/>
+              </a:rPr>
+              <a:t>Учет поступлений инструмента.</a:t>
+            </a:r>
+          </a:p>
+          <a:p>
+            <a:pPr algn="just">
+              <a:lnSpc>
+                <a:spcPct val="150000"/>
+              </a:lnSpc>
+              <a:buFont typeface="Bahnschrift Light" panose="020B0502040204020203" pitchFamily="34" charset="0"/>
+              <a:buChar char="–"/>
+            </a:pPr>
+            <a:r>
+              <a:rPr lang="ru-RU">
+                <a:latin typeface="Bahnschrift Light" panose="020B0502040204020203" pitchFamily="34" charset="0"/>
+              </a:rPr>
+              <a:t>Управление </a:t>
+            </a:r>
+            <a:r>
               <a:rPr lang="ru-RU" dirty="0">
                 <a:latin typeface="Bahnschrift Light" panose="020B0502040204020203" pitchFamily="34" charset="0"/>
               </a:rPr>
-              <a:t>История изменений справочника номенклатуры</a:t>
+              <a:t>справочником номенклатуры.</a:t>
             </a:r>
           </a:p>
           <a:p>
@@ -6751,7 +6766,7 @@
               <a:rPr lang="ru-RU" dirty="0">
                 <a:latin typeface="Bahnschrift Light" panose="020B0502040204020203" pitchFamily="34" charset="0"/>
               </a:rPr>
-              <a:t>Сформированные заявки на приобретение</a:t>
+              <a:t>Управление справочником аналогов.</a:t>
             </a:r>
           </a:p>
           <a:p>
@@ -6766,7 +6781,7 @@
               <a:rPr lang="ru-RU" dirty="0">
                 <a:latin typeface="Bahnschrift Light" panose="020B0502040204020203" pitchFamily="34" charset="0"/>
               </a:rPr>
-              <a:t>Ведомости поставки</a:t>
+              <a:t>Управление справочником поставщиков.</a:t>
             </a:r>
           </a:p>
           <a:p>
@@ -6781,7 +6796,7 @@
               <a:rPr lang="ru-RU" dirty="0">
                 <a:latin typeface="Bahnschrift Light" panose="020B0502040204020203" pitchFamily="34" charset="0"/>
               </a:rPr>
-              <a:t>Отчеты</a:t>
+              <a:t>Отчетность</a:t>
             </a:r>
           </a:p>
         </p:txBody>
@@ -6789,7 +6804,7 @@
     </p:spTree>
     <p:extLst>
       <p:ext uri="{BB962C8B-B14F-4D97-AF65-F5344CB8AC3E}">
-        <p14:creationId xmlns:p14="http://schemas.microsoft.com/office/powerpoint/2010/main" val="664441938"/>
+        <p14:creationId xmlns:p14="http://schemas.microsoft.com/office/powerpoint/2010/main" val="1982902144"/>
       </p:ext>
     </p:extLst>
   </p:cSld>
@@ -6821,6 +6836,165 @@
           <p:cNvPr id="2" name="Заголовок 1">
             <a:extLst>
               <a:ext uri="{FF2B5EF4-FFF2-40B4-BE49-F238E27FC236}">
+                <a16:creationId xmlns:a16="http://schemas.microsoft.com/office/drawing/2014/main" id="{CB3F56FE-8CD5-4769-9678-6E2C241DE84C}"/>
+              </a:ext>
+            </a:extLst>
+          </p:cNvPr>
+          <p:cNvSpPr>
+            <a:spLocks noGrp="1"/>
+          </p:cNvSpPr>
+          <p:nvPr>
+            <p:ph type="title"/>
+          </p:nvPr>
+        </p:nvSpPr>
+        <p:spPr/>
+        <p:txBody>
+          <a:bodyPr/>
+          <a:lstStyle/>
+          <a:p>
+            <a:r>
+              <a:rPr lang="ru-RU" dirty="0">
+                <a:latin typeface="Bahnschrift SemiLight" panose="020B0502040204020203" pitchFamily="34" charset="0"/>
+              </a:rPr>
+              <a:t>Выходные данные</a:t>
+            </a:r>
+          </a:p>
+        </p:txBody>
+      </p:sp>
+      <p:sp>
+        <p:nvSpPr>
+          <p:cNvPr id="3" name="Объект 2">
+            <a:extLst>
+              <a:ext uri="{FF2B5EF4-FFF2-40B4-BE49-F238E27FC236}">
+                <a16:creationId xmlns:a16="http://schemas.microsoft.com/office/drawing/2014/main" id="{2B180A81-3366-4302-A6F5-588A7DA73E0B}"/>
+              </a:ext>
+            </a:extLst>
+          </p:cNvPr>
+          <p:cNvSpPr>
+            <a:spLocks noGrp="1"/>
+          </p:cNvSpPr>
+          <p:nvPr>
+            <p:ph idx="1"/>
+          </p:nvPr>
+        </p:nvSpPr>
+        <p:spPr/>
+        <p:txBody>
+          <a:bodyPr>
+            <a:normAutofit/>
+          </a:bodyPr>
+          <a:lstStyle/>
+          <a:p>
+            <a:pPr algn="just">
+              <a:lnSpc>
+                <a:spcPct val="150000"/>
+              </a:lnSpc>
+              <a:buFont typeface="Bahnschrift Light" panose="020B0502040204020203" pitchFamily="34" charset="0"/>
+              <a:buChar char="–"/>
+            </a:pPr>
+            <a:r>
+              <a:rPr lang="ru-RU" dirty="0">
+                <a:latin typeface="Bahnschrift Light" panose="020B0502040204020203" pitchFamily="34" charset="0"/>
+              </a:rPr>
+              <a:t>Сформированные заявки на приобретение</a:t>
+            </a:r>
+          </a:p>
+          <a:p>
+            <a:pPr algn="just">
+              <a:lnSpc>
+                <a:spcPct val="150000"/>
+              </a:lnSpc>
+              <a:buFont typeface="Bahnschrift Light" panose="020B0502040204020203" pitchFamily="34" charset="0"/>
+              <a:buChar char="–"/>
+            </a:pPr>
+            <a:r>
+              <a:rPr lang="ru-RU" dirty="0">
+                <a:latin typeface="Bahnschrift Light" panose="020B0502040204020203" pitchFamily="34" charset="0"/>
+              </a:rPr>
+              <a:t>Ведомости поставки</a:t>
+            </a:r>
+          </a:p>
+          <a:p>
+            <a:pPr algn="just">
+              <a:lnSpc>
+                <a:spcPct val="150000"/>
+              </a:lnSpc>
+              <a:buFont typeface="Bahnschrift Light" panose="020B0502040204020203" pitchFamily="34" charset="0"/>
+              <a:buChar char="–"/>
+            </a:pPr>
+            <a:r>
+              <a:rPr lang="ru-RU" dirty="0">
+                <a:latin typeface="Bahnschrift Light" panose="020B0502040204020203" pitchFamily="34" charset="0"/>
+              </a:rPr>
+              <a:t>Актуальные данные об инструменте</a:t>
+            </a:r>
+          </a:p>
+          <a:p>
+            <a:pPr algn="just">
+              <a:lnSpc>
+                <a:spcPct val="150000"/>
+              </a:lnSpc>
+              <a:buFont typeface="Bahnschrift Light" panose="020B0502040204020203" pitchFamily="34" charset="0"/>
+              <a:buChar char="–"/>
+            </a:pPr>
+            <a:r>
+              <a:rPr lang="ru-RU" dirty="0">
+                <a:latin typeface="Bahnschrift Light" panose="020B0502040204020203" pitchFamily="34" charset="0"/>
+              </a:rPr>
+              <a:t>История изменений справочника номенклатуры</a:t>
+            </a:r>
+          </a:p>
+          <a:p>
+            <a:pPr algn="just">
+              <a:lnSpc>
+                <a:spcPct val="150000"/>
+              </a:lnSpc>
+              <a:buFont typeface="Bahnschrift Light" panose="020B0502040204020203" pitchFamily="34" charset="0"/>
+              <a:buChar char="–"/>
+            </a:pPr>
+            <a:r>
+              <a:rPr lang="ru-RU" dirty="0">
+                <a:latin typeface="Bahnschrift Light" panose="020B0502040204020203" pitchFamily="34" charset="0"/>
+              </a:rPr>
+              <a:t>Отчеты</a:t>
+            </a:r>
+          </a:p>
+        </p:txBody>
+      </p:sp>
+    </p:spTree>
+    <p:extLst>
+      <p:ext uri="{BB962C8B-B14F-4D97-AF65-F5344CB8AC3E}">
+        <p14:creationId xmlns:p14="http://schemas.microsoft.com/office/powerpoint/2010/main" val="664441938"/>
+      </p:ext>
+    </p:extLst>
+  </p:cSld>
+  <p:clrMapOvr>
+    <a:masterClrMapping/>
+  </p:clrMapOvr>
+</p:sld>
+</file>
+
+<file path=ppt/slides/slide9.xml><?xml version="1.0" encoding="utf-8"?>
+<p:sld xmlns:a="http://schemas.openxmlformats.org/drawingml/2006/main" xmlns:r="http://schemas.openxmlformats.org/officeDocument/2006/relationships" xmlns:p="http://schemas.openxmlformats.org/presentationml/2006/main">
+  <p:cSld>
+    <p:spTree>
+      <p:nvGrpSpPr>
+        <p:cNvPr id="1" name=""/>
+        <p:cNvGrpSpPr/>
+        <p:nvPr/>
+      </p:nvGrpSpPr>
+      <p:grpSpPr>
+        <a:xfrm>
+          <a:off x="0" y="0"/>
+          <a:ext cx="0" cy="0"/>
+          <a:chOff x="0" y="0"/>
+          <a:chExt cx="0" cy="0"/>
+        </a:xfrm>
+      </p:grpSpPr>
+      <p:sp>
+        <p:nvSpPr>
+          <p:cNvPr id="2" name="Заголовок 1">
+            <a:extLst>
+              <a:ext uri="{FF2B5EF4-FFF2-40B4-BE49-F238E27FC236}">
                 <a16:creationId xmlns:a16="http://schemas.microsoft.com/office/drawing/2014/main" id="{16DB00AC-7CFA-429B-8E67-D92DBE212397}"/>
               </a:ext>
             </a:extLst>
@@ -6864,8 +7038,8 @@
         </p:nvSpPr>
         <p:spPr>
           <a:xfrm>
-            <a:off x="838200" y="4068660"/>
-            <a:ext cx="3381462" cy="2424215"/>
+            <a:off x="838199" y="4068660"/>
+            <a:ext cx="5000537" cy="2424215"/>
           </a:xfrm>
         </p:spPr>
         <p:txBody>
@@ -6881,13 +7055,13 @@
               <a:buNone/>
             </a:pPr>
             <a:r>
-              <a:rPr lang="en-US" sz="2400" dirty="0">
+              <a:rPr lang="en-US" dirty="0">
                 <a:latin typeface="Bahnschrift Light" panose="020B0502040204020203" pitchFamily="34" charset="0"/>
               </a:rPr>
               <a:t>C#</a:t>
             </a:r>
             <a:r>
-              <a:rPr lang="ru-RU" sz="2400" dirty="0">
+              <a:rPr lang="ru-RU" dirty="0">
                 <a:latin typeface="Bahnschrift Light" panose="020B0502040204020203" pitchFamily="34" charset="0"/>
               </a:rPr>
               <a:t> – современный язык программирования от Microsoft, входящий в платформу .NET.</a:t>
@@ -7107,8 +7281,8 @@
         </p:nvSpPr>
         <p:spPr>
           <a:xfrm>
-            <a:off x="8351941" y="4062676"/>
-            <a:ext cx="3381462" cy="2424214"/>
+            <a:off x="6434707" y="4062676"/>
+            <a:ext cx="5298696" cy="2424214"/>
           </a:xfrm>
           <a:prstGeom prst="rect">
             <a:avLst/>
@@ -7290,13 +7464,13 @@
               <a:buNone/>
             </a:pPr>
             <a:r>
-              <a:rPr lang="en-US" sz="2400" dirty="0">
+              <a:rPr lang="en-US" dirty="0">
                 <a:latin typeface="Bahnschrift Light" panose="020B0502040204020203" pitchFamily="34" charset="0"/>
               </a:rPr>
               <a:t>Microsoft SQL Server</a:t>
             </a:r>
             <a:r>
-              <a:rPr lang="ru-RU" sz="2400" dirty="0">
+              <a:rPr lang="ru-RU" dirty="0">
                 <a:latin typeface="Bahnschrift Light" panose="020B0502040204020203" pitchFamily="34" charset="0"/>
               </a:rPr>
               <a:t> – реляционная СУБД, используемая для хранения и обработки данных.</a:t>
@@ -7502,25 +7676,6 @@
               </a:lnSpc>
               <a:buNone/>
             </a:pPr>
-            <a:r>
-              <a:rPr lang="en-US" sz="2400" dirty="0">
-                <a:latin typeface="Bahnschrift Light" panose="020B0502040204020203" pitchFamily="34" charset="0"/>
-              </a:rPr>
-              <a:t>Windows Forms</a:t>
-            </a:r>
-            <a:r>
-              <a:rPr lang="ru-RU" sz="2400" dirty="0">
-                <a:latin typeface="Bahnschrift Light" panose="020B0502040204020203" pitchFamily="34" charset="0"/>
-              </a:rPr>
-              <a:t> – </a:t>
-            </a:r>
-            <a:r>
-              <a:rPr lang="ru-RU" sz="2400" b="0" i="0" dirty="0">
-                <a:effectLst/>
-                <a:latin typeface="Bahnschrift Light" panose="020B0502040204020203" pitchFamily="34" charset="0"/>
-              </a:rPr>
-              <a:t>фреймворк для создания десктоп-приложений с графическим интерфейсом.</a:t>
-            </a:r>
             <a:endParaRPr lang="ru-RU" sz="2400" dirty="0">
               <a:latin typeface="Bahnschrift Light" panose="020B0502040204020203" pitchFamily="34" charset="0"/>
             </a:endParaRPr>
@@ -7945,7 +8100,7 @@
         </p:nvCxnSpPr>
         <p:spPr>
           <a:xfrm>
-            <a:off x="4405269" y="1690688"/>
+            <a:off x="6096000" y="1713479"/>
             <a:ext cx="0" cy="4773411"/>
           </a:xfrm>
           <a:prstGeom prst="line">
@@ -7967,44 +8122,6 @@
           </a:fontRef>
         </p:style>
       </p:cxnSp>
-      <p:cxnSp>
-        <p:nvCxnSpPr>
-          <p:cNvPr id="44" name="Прямая соединительная линия 43">
-            <a:extLst>
-              <a:ext uri="{FF2B5EF4-FFF2-40B4-BE49-F238E27FC236}">
-                <a16:creationId xmlns:a16="http://schemas.microsoft.com/office/drawing/2014/main" id="{6C6A2628-05CB-47EB-A6CE-2A934760EFFD}"/>
-              </a:ext>
-            </a:extLst>
-          </p:cNvPr>
-          <p:cNvCxnSpPr>
-            <a:cxnSpLocks/>
-          </p:cNvCxnSpPr>
-          <p:nvPr/>
-        </p:nvCxnSpPr>
-        <p:spPr>
-          <a:xfrm>
-            <a:off x="8181713" y="1690688"/>
-            <a:ext cx="0" cy="4773411"/>
-          </a:xfrm>
-          <a:prstGeom prst="line">
-            <a:avLst/>
-          </a:prstGeom>
-        </p:spPr>
-        <p:style>
-          <a:lnRef idx="1">
-            <a:schemeClr val="dk1"/>
-          </a:lnRef>
-          <a:fillRef idx="0">
-            <a:schemeClr val="dk1"/>
-          </a:fillRef>
-          <a:effectRef idx="0">
-            <a:schemeClr val="dk1"/>
-          </a:effectRef>
-          <a:fontRef idx="minor">
-            <a:schemeClr val="tx1"/>
-          </a:fontRef>
-        </p:style>
-      </p:cxnSp>
       <p:sp>
         <p:nvSpPr>
           <p:cNvPr id="17" name="Объект 3">
@@ -8628,7 +8745,7 @@
         </p:blipFill>
         <p:spPr bwMode="auto">
           <a:xfrm>
-            <a:off x="1124125" y="1303404"/>
+            <a:off x="2018078" y="1249136"/>
             <a:ext cx="2547106" cy="2547106"/>
           </a:xfrm>
           <a:prstGeom prst="rect">
@@ -8648,10 +8765,10 @@
       </p:pic>
       <p:pic>
         <p:nvPicPr>
-          <p:cNvPr id="10" name="Рисунок 9">
-            <a:extLst>
-              <a:ext uri="{FF2B5EF4-FFF2-40B4-BE49-F238E27FC236}">
-                <a16:creationId xmlns:a16="http://schemas.microsoft.com/office/drawing/2014/main" id="{052401C7-EA31-4B4A-AFF6-673883003CDA}"/>
+          <p:cNvPr id="15" name="Рисунок 14">
+            <a:extLst>
+              <a:ext uri="{FF2B5EF4-FFF2-40B4-BE49-F238E27FC236}">
+                <a16:creationId xmlns:a16="http://schemas.microsoft.com/office/drawing/2014/main" id="{10F853BE-0DCB-49DC-8ADE-6805547EC292}"/>
               </a:ext>
             </a:extLst>
           </p:cNvPr>
@@ -8668,37 +8785,7 @@
         </p:blipFill>
         <p:spPr>
           <a:xfrm>
-            <a:off x="5249192" y="1640332"/>
-            <a:ext cx="2143125" cy="2143125"/>
-          </a:xfrm>
-          <a:prstGeom prst="rect">
-            <a:avLst/>
-          </a:prstGeom>
-        </p:spPr>
-      </p:pic>
-      <p:pic>
-        <p:nvPicPr>
-          <p:cNvPr id="15" name="Рисунок 14">
-            <a:extLst>
-              <a:ext uri="{FF2B5EF4-FFF2-40B4-BE49-F238E27FC236}">
-                <a16:creationId xmlns:a16="http://schemas.microsoft.com/office/drawing/2014/main" id="{10F853BE-0DCB-49DC-8ADE-6805547EC292}"/>
-              </a:ext>
-            </a:extLst>
-          </p:cNvPr>
-          <p:cNvPicPr>
-            <a:picLocks noChangeAspect="1"/>
-          </p:cNvPicPr>
-          <p:nvPr/>
-        </p:nvPicPr>
-        <p:blipFill>
-          <a:blip r:embed="rId4"/>
-          <a:stretch>
-            <a:fillRect/>
-          </a:stretch>
-        </p:blipFill>
-        <p:spPr>
-          <a:xfrm>
-            <a:off x="8827643" y="1640332"/>
+            <a:off x="7983829" y="1705406"/>
             <a:ext cx="2120362" cy="2120362"/>
           </a:xfrm>
           <a:prstGeom prst="rect">

--- a/Документы/Хорошев/Хорошев_Диплом_Презентация.pptx
+++ b/Документы/Хорошев/Хорошев_Диплом_Презентация.pptx
@@ -267,7 +267,7 @@
           <a:p>
             <a:fld id="{796283CA-8FE5-40D0-B3F9-EEA080503F82}" type="datetimeFigureOut">
               <a:rPr lang="ru-RU" smtClean="0"/>
-              <a:t>13.06.2025</a:t>
+              <a:t>15.06.2025</a:t>
             </a:fld>
             <a:endParaRPr lang="ru-RU"/>
           </a:p>
@@ -465,7 +465,7 @@
           <a:p>
             <a:fld id="{796283CA-8FE5-40D0-B3F9-EEA080503F82}" type="datetimeFigureOut">
               <a:rPr lang="ru-RU" smtClean="0"/>
-              <a:t>13.06.2025</a:t>
+              <a:t>15.06.2025</a:t>
             </a:fld>
             <a:endParaRPr lang="ru-RU"/>
           </a:p>
@@ -673,7 +673,7 @@
           <a:p>
             <a:fld id="{796283CA-8FE5-40D0-B3F9-EEA080503F82}" type="datetimeFigureOut">
               <a:rPr lang="ru-RU" smtClean="0"/>
-              <a:t>13.06.2025</a:t>
+              <a:t>15.06.2025</a:t>
             </a:fld>
             <a:endParaRPr lang="ru-RU"/>
           </a:p>
@@ -871,7 +871,7 @@
           <a:p>
             <a:fld id="{796283CA-8FE5-40D0-B3F9-EEA080503F82}" type="datetimeFigureOut">
               <a:rPr lang="ru-RU" smtClean="0"/>
-              <a:t>13.06.2025</a:t>
+              <a:t>15.06.2025</a:t>
             </a:fld>
             <a:endParaRPr lang="ru-RU"/>
           </a:p>
@@ -1146,7 +1146,7 @@
           <a:p>
             <a:fld id="{796283CA-8FE5-40D0-B3F9-EEA080503F82}" type="datetimeFigureOut">
               <a:rPr lang="ru-RU" smtClean="0"/>
-              <a:t>13.06.2025</a:t>
+              <a:t>15.06.2025</a:t>
             </a:fld>
             <a:endParaRPr lang="ru-RU"/>
           </a:p>
@@ -1411,7 +1411,7 @@
           <a:p>
             <a:fld id="{796283CA-8FE5-40D0-B3F9-EEA080503F82}" type="datetimeFigureOut">
               <a:rPr lang="ru-RU" smtClean="0"/>
-              <a:t>13.06.2025</a:t>
+              <a:t>15.06.2025</a:t>
             </a:fld>
             <a:endParaRPr lang="ru-RU"/>
           </a:p>
@@ -1823,7 +1823,7 @@
           <a:p>
             <a:fld id="{796283CA-8FE5-40D0-B3F9-EEA080503F82}" type="datetimeFigureOut">
               <a:rPr lang="ru-RU" smtClean="0"/>
-              <a:t>13.06.2025</a:t>
+              <a:t>15.06.2025</a:t>
             </a:fld>
             <a:endParaRPr lang="ru-RU"/>
           </a:p>
@@ -1964,7 +1964,7 @@
           <a:p>
             <a:fld id="{796283CA-8FE5-40D0-B3F9-EEA080503F82}" type="datetimeFigureOut">
               <a:rPr lang="ru-RU" smtClean="0"/>
-              <a:t>13.06.2025</a:t>
+              <a:t>15.06.2025</a:t>
             </a:fld>
             <a:endParaRPr lang="ru-RU"/>
           </a:p>
@@ -2077,7 +2077,7 @@
           <a:p>
             <a:fld id="{796283CA-8FE5-40D0-B3F9-EEA080503F82}" type="datetimeFigureOut">
               <a:rPr lang="ru-RU" smtClean="0"/>
-              <a:t>13.06.2025</a:t>
+              <a:t>15.06.2025</a:t>
             </a:fld>
             <a:endParaRPr lang="ru-RU"/>
           </a:p>
@@ -2388,7 +2388,7 @@
           <a:p>
             <a:fld id="{796283CA-8FE5-40D0-B3F9-EEA080503F82}" type="datetimeFigureOut">
               <a:rPr lang="ru-RU" smtClean="0"/>
-              <a:t>13.06.2025</a:t>
+              <a:t>15.06.2025</a:t>
             </a:fld>
             <a:endParaRPr lang="ru-RU"/>
           </a:p>
@@ -2676,7 +2676,7 @@
           <a:p>
             <a:fld id="{796283CA-8FE5-40D0-B3F9-EEA080503F82}" type="datetimeFigureOut">
               <a:rPr lang="ru-RU" smtClean="0"/>
-              <a:t>13.06.2025</a:t>
+              <a:t>15.06.2025</a:t>
             </a:fld>
             <a:endParaRPr lang="ru-RU"/>
           </a:p>
@@ -2917,7 +2917,7 @@
           <a:p>
             <a:fld id="{796283CA-8FE5-40D0-B3F9-EEA080503F82}" type="datetimeFigureOut">
               <a:rPr lang="ru-RU" smtClean="0"/>
-              <a:t>13.06.2025</a:t>
+              <a:t>15.06.2025</a:t>
             </a:fld>
             <a:endParaRPr lang="ru-RU"/>
           </a:p>
@@ -3657,7 +3657,7 @@
               <a:rPr lang="ru-RU" dirty="0">
                 <a:latin typeface="Bahnschrift Light" panose="020B0502040204020203" pitchFamily="34" charset="0"/>
               </a:rPr>
-              <a:t>Ведения справочников номенклатуры инструмента;</a:t>
+              <a:t>Формирования заявок на приобретение;</a:t>
             </a:r>
           </a:p>
           <a:p>
@@ -3672,7 +3672,7 @@
               <a:rPr lang="ru-RU" dirty="0">
                 <a:latin typeface="Bahnschrift Light" panose="020B0502040204020203" pitchFamily="34" charset="0"/>
               </a:rPr>
-              <a:t>Формирования заявок на приобретение;</a:t>
+              <a:t>Ведения справочников номенклатуры инструмента;</a:t>
             </a:r>
           </a:p>
           <a:p>
@@ -6700,7 +6700,7 @@
         <p:spPr/>
         <p:txBody>
           <a:bodyPr>
-            <a:normAutofit lnSpcReduction="10000"/>
+            <a:normAutofit/>
           </a:bodyPr>
           <a:lstStyle/>
           <a:p>
@@ -6727,7 +6727,7 @@
               <a:buChar char="–"/>
             </a:pPr>
             <a:r>
-              <a:rPr lang="ru-RU">
+              <a:rPr lang="ru-RU" dirty="0">
                 <a:latin typeface="Bahnschrift Light" panose="020B0502040204020203" pitchFamily="34" charset="0"/>
               </a:rPr>
               <a:t>Учет поступлений инструмента.</a:t>
@@ -6742,16 +6742,10 @@
               <a:buChar char="–"/>
             </a:pPr>
             <a:r>
-              <a:rPr lang="ru-RU">
-                <a:latin typeface="Bahnschrift Light" panose="020B0502040204020203" pitchFamily="34" charset="0"/>
-              </a:rPr>
-              <a:t>Управление </a:t>
-            </a:r>
-            <a:r>
               <a:rPr lang="ru-RU" dirty="0">
                 <a:latin typeface="Bahnschrift Light" panose="020B0502040204020203" pitchFamily="34" charset="0"/>
               </a:rPr>
-              <a:t>справочником номенклатуры.</a:t>
+              <a:t>Управление справочником номенклатуры.</a:t>
             </a:r>
           </a:p>
           <a:p>
@@ -6778,26 +6772,14 @@
               <a:buChar char="–"/>
             </a:pPr>
             <a:r>
-              <a:rPr lang="ru-RU" dirty="0">
-                <a:latin typeface="Bahnschrift Light" panose="020B0502040204020203" pitchFamily="34" charset="0"/>
-              </a:rPr>
-              <a:t>Управление справочником поставщиков.</a:t>
-            </a:r>
-          </a:p>
-          <a:p>
-            <a:pPr algn="just">
-              <a:lnSpc>
-                <a:spcPct val="150000"/>
-              </a:lnSpc>
-              <a:buFont typeface="Bahnschrift Light" panose="020B0502040204020203" pitchFamily="34" charset="0"/>
-              <a:buChar char="–"/>
-            </a:pPr>
-            <a:r>
-              <a:rPr lang="ru-RU" dirty="0">
+              <a:rPr lang="ru-RU">
                 <a:latin typeface="Bahnschrift Light" panose="020B0502040204020203" pitchFamily="34" charset="0"/>
               </a:rPr>
               <a:t>Отчетность</a:t>
             </a:r>
+            <a:endParaRPr lang="ru-RU" dirty="0">
+              <a:latin typeface="Bahnschrift Light" panose="020B0502040204020203" pitchFamily="34" charset="0"/>
+            </a:endParaRPr>
           </a:p>
         </p:txBody>
       </p:sp>

--- a/Документы/Хорошев/Хорошев_Диплом_Презентация.pptx
+++ b/Документы/Хорошев/Хорошев_Диплом_Презентация.pptx
@@ -3642,7 +3642,7 @@
               <a:rPr lang="ru-RU" dirty="0">
                 <a:latin typeface="Bahnschrift Light" panose="020B0502040204020203" pitchFamily="34" charset="0"/>
               </a:rPr>
-              <a:t>Разработки программного модуля для автоматизации следующих процессов:</a:t>
+              <a:t>Разработка программного модуля для автоматизации следующих процессов:</a:t>
             </a:r>
           </a:p>
           <a:p>

--- a/Документы/Хорошев/Хорошев_Диплом_Презентация.pptx
+++ b/Документы/Хорошев/Хорошев_Диплом_Презентация.pptx
@@ -267,7 +267,7 @@
           <a:p>
             <a:fld id="{796283CA-8FE5-40D0-B3F9-EEA080503F82}" type="datetimeFigureOut">
               <a:rPr lang="ru-RU" smtClean="0"/>
-              <a:t>15.06.2025</a:t>
+              <a:t>16.06.2025</a:t>
             </a:fld>
             <a:endParaRPr lang="ru-RU"/>
           </a:p>
@@ -465,7 +465,7 @@
           <a:p>
             <a:fld id="{796283CA-8FE5-40D0-B3F9-EEA080503F82}" type="datetimeFigureOut">
               <a:rPr lang="ru-RU" smtClean="0"/>
-              <a:t>15.06.2025</a:t>
+              <a:t>16.06.2025</a:t>
             </a:fld>
             <a:endParaRPr lang="ru-RU"/>
           </a:p>
@@ -673,7 +673,7 @@
           <a:p>
             <a:fld id="{796283CA-8FE5-40D0-B3F9-EEA080503F82}" type="datetimeFigureOut">
               <a:rPr lang="ru-RU" smtClean="0"/>
-              <a:t>15.06.2025</a:t>
+              <a:t>16.06.2025</a:t>
             </a:fld>
             <a:endParaRPr lang="ru-RU"/>
           </a:p>
@@ -871,7 +871,7 @@
           <a:p>
             <a:fld id="{796283CA-8FE5-40D0-B3F9-EEA080503F82}" type="datetimeFigureOut">
               <a:rPr lang="ru-RU" smtClean="0"/>
-              <a:t>15.06.2025</a:t>
+              <a:t>16.06.2025</a:t>
             </a:fld>
             <a:endParaRPr lang="ru-RU"/>
           </a:p>
@@ -1146,7 +1146,7 @@
           <a:p>
             <a:fld id="{796283CA-8FE5-40D0-B3F9-EEA080503F82}" type="datetimeFigureOut">
               <a:rPr lang="ru-RU" smtClean="0"/>
-              <a:t>15.06.2025</a:t>
+              <a:t>16.06.2025</a:t>
             </a:fld>
             <a:endParaRPr lang="ru-RU"/>
           </a:p>
@@ -1411,7 +1411,7 @@
           <a:p>
             <a:fld id="{796283CA-8FE5-40D0-B3F9-EEA080503F82}" type="datetimeFigureOut">
               <a:rPr lang="ru-RU" smtClean="0"/>
-              <a:t>15.06.2025</a:t>
+              <a:t>16.06.2025</a:t>
             </a:fld>
             <a:endParaRPr lang="ru-RU"/>
           </a:p>
@@ -1823,7 +1823,7 @@
           <a:p>
             <a:fld id="{796283CA-8FE5-40D0-B3F9-EEA080503F82}" type="datetimeFigureOut">
               <a:rPr lang="ru-RU" smtClean="0"/>
-              <a:t>15.06.2025</a:t>
+              <a:t>16.06.2025</a:t>
             </a:fld>
             <a:endParaRPr lang="ru-RU"/>
           </a:p>
@@ -1964,7 +1964,7 @@
           <a:p>
             <a:fld id="{796283CA-8FE5-40D0-B3F9-EEA080503F82}" type="datetimeFigureOut">
               <a:rPr lang="ru-RU" smtClean="0"/>
-              <a:t>15.06.2025</a:t>
+              <a:t>16.06.2025</a:t>
             </a:fld>
             <a:endParaRPr lang="ru-RU"/>
           </a:p>
@@ -2077,7 +2077,7 @@
           <a:p>
             <a:fld id="{796283CA-8FE5-40D0-B3F9-EEA080503F82}" type="datetimeFigureOut">
               <a:rPr lang="ru-RU" smtClean="0"/>
-              <a:t>15.06.2025</a:t>
+              <a:t>16.06.2025</a:t>
             </a:fld>
             <a:endParaRPr lang="ru-RU"/>
           </a:p>
@@ -2388,7 +2388,7 @@
           <a:p>
             <a:fld id="{796283CA-8FE5-40D0-B3F9-EEA080503F82}" type="datetimeFigureOut">
               <a:rPr lang="ru-RU" smtClean="0"/>
-              <a:t>15.06.2025</a:t>
+              <a:t>16.06.2025</a:t>
             </a:fld>
             <a:endParaRPr lang="ru-RU"/>
           </a:p>
@@ -2676,7 +2676,7 @@
           <a:p>
             <a:fld id="{796283CA-8FE5-40D0-B3F9-EEA080503F82}" type="datetimeFigureOut">
               <a:rPr lang="ru-RU" smtClean="0"/>
-              <a:t>15.06.2025</a:t>
+              <a:t>16.06.2025</a:t>
             </a:fld>
             <a:endParaRPr lang="ru-RU"/>
           </a:p>
@@ -2917,7 +2917,7 @@
           <a:p>
             <a:fld id="{796283CA-8FE5-40D0-B3F9-EEA080503F82}" type="datetimeFigureOut">
               <a:rPr lang="ru-RU" smtClean="0"/>
-              <a:t>15.06.2025</a:t>
+              <a:t>16.06.2025</a:t>
             </a:fld>
             <a:endParaRPr lang="ru-RU"/>
           </a:p>
@@ -3623,7 +3623,7 @@
         <p:spPr>
           <a:xfrm>
             <a:off x="838200" y="1825625"/>
-            <a:ext cx="9111143" cy="4351338"/>
+            <a:ext cx="10897998" cy="4351338"/>
           </a:xfrm>
         </p:spPr>
         <p:txBody>
@@ -3642,7 +3642,7 @@
               <a:rPr lang="ru-RU" dirty="0">
                 <a:latin typeface="Bahnschrift Light" panose="020B0502040204020203" pitchFamily="34" charset="0"/>
               </a:rPr>
-              <a:t>Разработка программного модуля для автоматизации следующих процессов:</a:t>
+              <a:t>Автоматизация следующих процессов, путем разработки программного модуля :</a:t>
             </a:r>
           </a:p>
           <a:p>
@@ -4085,7 +4085,7 @@
               <a:rPr lang="ru-RU" dirty="0">
                 <a:latin typeface="Bahnschrift Light" panose="020B0502040204020203" pitchFamily="34" charset="0"/>
               </a:rPr>
-              <a:t>Учёт инструмента:</a:t>
+              <a:t>Учет инструмента:</a:t>
             </a:r>
           </a:p>
           <a:p>
@@ -5177,7 +5177,7 @@
               <a:rPr lang="ru-RU" sz="2400" dirty="0">
                 <a:latin typeface="Bahnschrift Light" panose="020B0502040204020203" pitchFamily="34" charset="0"/>
               </a:rPr>
-              <a:t>Учёт поступлений</a:t>
+              <a:t>Учет поступлений</a:t>
             </a:r>
           </a:p>
           <a:p>
